--- a/1_library/1_presentations/Mesoscale concrete model ppt.pptx
+++ b/1_library/1_presentations/Mesoscale concrete model ppt.pptx
@@ -15,15 +15,14 @@
     <p:sldId id="268" r:id="rId9"/>
     <p:sldId id="269" r:id="rId10"/>
     <p:sldId id="270" r:id="rId11"/>
-    <p:sldId id="271" r:id="rId12"/>
-    <p:sldId id="272" r:id="rId13"/>
-    <p:sldId id="273" r:id="rId14"/>
-    <p:sldId id="276" r:id="rId15"/>
-    <p:sldId id="274" r:id="rId16"/>
-    <p:sldId id="279" r:id="rId17"/>
-    <p:sldId id="275" r:id="rId18"/>
-    <p:sldId id="277" r:id="rId19"/>
-    <p:sldId id="278" r:id="rId20"/>
+    <p:sldId id="272" r:id="rId12"/>
+    <p:sldId id="273" r:id="rId13"/>
+    <p:sldId id="276" r:id="rId14"/>
+    <p:sldId id="274" r:id="rId15"/>
+    <p:sldId id="279" r:id="rId16"/>
+    <p:sldId id="275" r:id="rId17"/>
+    <p:sldId id="277" r:id="rId18"/>
+    <p:sldId id="278" r:id="rId19"/>
   </p:sldIdLst>
   <p:sldSz cx="9144000" cy="6858000" type="screen4x3"/>
   <p:notesSz cx="6858000" cy="9144000"/>
@@ -299,7 +298,7 @@
             <a:fld id="{3EB0D597-C7C5-480D-9741-C4CA8DE4D04F}" type="datetimeFigureOut">
               <a:rPr lang="en-US" smtClean="0"/>
               <a:pPr/>
-              <a:t>3/25/2024</a:t>
+              <a:t>3/26/2024</a:t>
             </a:fld>
             <a:endParaRPr lang="en-US"/>
           </a:p>
@@ -466,7 +465,7 @@
             <a:fld id="{3EB0D597-C7C5-480D-9741-C4CA8DE4D04F}" type="datetimeFigureOut">
               <a:rPr lang="en-US" smtClean="0"/>
               <a:pPr/>
-              <a:t>3/25/2024</a:t>
+              <a:t>3/26/2024</a:t>
             </a:fld>
             <a:endParaRPr lang="en-US"/>
           </a:p>
@@ -643,7 +642,7 @@
             <a:fld id="{3EB0D597-C7C5-480D-9741-C4CA8DE4D04F}" type="datetimeFigureOut">
               <a:rPr lang="en-US" smtClean="0"/>
               <a:pPr/>
-              <a:t>3/25/2024</a:t>
+              <a:t>3/26/2024</a:t>
             </a:fld>
             <a:endParaRPr lang="en-US"/>
           </a:p>
@@ -810,7 +809,7 @@
             <a:fld id="{3EB0D597-C7C5-480D-9741-C4CA8DE4D04F}" type="datetimeFigureOut">
               <a:rPr lang="en-US" smtClean="0"/>
               <a:pPr/>
-              <a:t>3/25/2024</a:t>
+              <a:t>3/26/2024</a:t>
             </a:fld>
             <a:endParaRPr lang="en-US"/>
           </a:p>
@@ -1054,7 +1053,7 @@
             <a:fld id="{3EB0D597-C7C5-480D-9741-C4CA8DE4D04F}" type="datetimeFigureOut">
               <a:rPr lang="en-US" smtClean="0"/>
               <a:pPr/>
-              <a:t>3/25/2024</a:t>
+              <a:t>3/26/2024</a:t>
             </a:fld>
             <a:endParaRPr lang="en-US"/>
           </a:p>
@@ -1320,7 +1319,7 @@
             <a:fld id="{3EB0D597-C7C5-480D-9741-C4CA8DE4D04F}" type="datetimeFigureOut">
               <a:rPr lang="en-US" smtClean="0"/>
               <a:pPr/>
-              <a:t>3/25/2024</a:t>
+              <a:t>3/26/2024</a:t>
             </a:fld>
             <a:endParaRPr lang="en-US"/>
           </a:p>
@@ -1700,7 +1699,7 @@
             <a:fld id="{3EB0D597-C7C5-480D-9741-C4CA8DE4D04F}" type="datetimeFigureOut">
               <a:rPr lang="en-US" smtClean="0"/>
               <a:pPr/>
-              <a:t>3/25/2024</a:t>
+              <a:t>3/26/2024</a:t>
             </a:fld>
             <a:endParaRPr lang="en-US"/>
           </a:p>
@@ -1852,7 +1851,7 @@
             <a:fld id="{3EB0D597-C7C5-480D-9741-C4CA8DE4D04F}" type="datetimeFigureOut">
               <a:rPr lang="en-US" smtClean="0"/>
               <a:pPr/>
-              <a:t>3/25/2024</a:t>
+              <a:t>3/26/2024</a:t>
             </a:fld>
             <a:endParaRPr lang="en-US"/>
           </a:p>
@@ -1944,7 +1943,7 @@
             <a:fld id="{3EB0D597-C7C5-480D-9741-C4CA8DE4D04F}" type="datetimeFigureOut">
               <a:rPr lang="en-US" smtClean="0"/>
               <a:pPr/>
-              <a:t>3/25/2024</a:t>
+              <a:t>3/26/2024</a:t>
             </a:fld>
             <a:endParaRPr lang="en-US"/>
           </a:p>
@@ -2207,7 +2206,7 @@
             <a:fld id="{3EB0D597-C7C5-480D-9741-C4CA8DE4D04F}" type="datetimeFigureOut">
               <a:rPr lang="en-US" smtClean="0"/>
               <a:pPr/>
-              <a:t>3/25/2024</a:t>
+              <a:t>3/26/2024</a:t>
             </a:fld>
             <a:endParaRPr lang="en-US"/>
           </a:p>
@@ -2497,7 +2496,7 @@
             <a:fld id="{3EB0D597-C7C5-480D-9741-C4CA8DE4D04F}" type="datetimeFigureOut">
               <a:rPr lang="en-US" smtClean="0"/>
               <a:pPr/>
-              <a:t>3/25/2024</a:t>
+              <a:t>3/26/2024</a:t>
             </a:fld>
             <a:endParaRPr lang="en-US"/>
           </a:p>
@@ -3270,7 +3269,7 @@
             <a:fld id="{3EB0D597-C7C5-480D-9741-C4CA8DE4D04F}" type="datetimeFigureOut">
               <a:rPr lang="en-US" smtClean="0"/>
               <a:pPr/>
-              <a:t>3/25/2024</a:t>
+              <a:t>3/26/2024</a:t>
             </a:fld>
             <a:endParaRPr lang="en-US"/>
           </a:p>
@@ -3917,14 +3916,7 @@
                 <a:latin typeface="Arial" pitchFamily="34" charset="0"/>
                 <a:cs typeface="Arial" pitchFamily="34" charset="0"/>
               </a:rPr>
-              <a:t>  Mesoscale </a:t>
-            </a:r>
-            <a:r>
-              <a:rPr lang="en-US" dirty="0" smtClean="0">
-                <a:latin typeface="Arial" pitchFamily="34" charset="0"/>
-                <a:cs typeface="Arial" pitchFamily="34" charset="0"/>
-              </a:rPr>
-              <a:t>concrete model</a:t>
+              <a:t>  Mesoscale concrete model</a:t>
             </a:r>
             <a:endParaRPr lang="en-US" dirty="0">
               <a:latin typeface="Arial" pitchFamily="34" charset="0"/>
@@ -4015,9 +4007,33 @@
         </p:blipFill>
         <p:spPr>
           <a:xfrm>
-            <a:off x="685800" y="1981200"/>
-            <a:ext cx="7620000" cy="4038600"/>
+            <a:off x="609600" y="1905000"/>
+            <a:ext cx="4495800" cy="2438400"/>
           </a:xfrm>
+        </p:spPr>
+      </p:pic>
+      <p:pic>
+        <p:nvPicPr>
+          <p:cNvPr id="5" name="Picture 4" descr="c.png"/>
+          <p:cNvPicPr>
+            <a:picLocks noChangeAspect="1"/>
+          </p:cNvPicPr>
+          <p:nvPr/>
+        </p:nvPicPr>
+        <p:blipFill>
+          <a:blip r:embed="rId3"/>
+          <a:stretch>
+            <a:fillRect/>
+          </a:stretch>
+        </p:blipFill>
+        <p:spPr>
+          <a:xfrm>
+            <a:off x="5334000" y="1981200"/>
+            <a:ext cx="3055852" cy="2438400"/>
+          </a:xfrm>
+          <a:prstGeom prst="rect">
+            <a:avLst/>
+          </a:prstGeom>
         </p:spPr>
       </p:pic>
     </p:spTree>
@@ -4054,6 +4070,51 @@
       </p:grpSpPr>
       <p:sp>
         <p:nvSpPr>
+          <p:cNvPr id="2" name="Title 1"/>
+          <p:cNvSpPr>
+            <a:spLocks noGrp="1"/>
+          </p:cNvSpPr>
+          <p:nvPr>
+            <p:ph type="title"/>
+          </p:nvPr>
+        </p:nvSpPr>
+        <p:spPr/>
+        <p:txBody>
+          <a:bodyPr>
+            <a:noAutofit/>
+          </a:bodyPr>
+          <a:lstStyle/>
+          <a:p>
+            <a:r>
+              <a:rPr lang="en-US" sz="3600" dirty="0" smtClean="0">
+                <a:latin typeface="Arial" pitchFamily="34" charset="0"/>
+                <a:cs typeface="Arial" pitchFamily="34" charset="0"/>
+              </a:rPr>
+              <a:t>Applications, pros and cons of different </a:t>
+            </a:r>
+            <a:r>
+              <a:rPr lang="en-US" sz="3600" dirty="0" err="1" smtClean="0">
+                <a:latin typeface="Arial" pitchFamily="34" charset="0"/>
+                <a:cs typeface="Arial" pitchFamily="34" charset="0"/>
+              </a:rPr>
+              <a:t>mesoscale</a:t>
+            </a:r>
+            <a:r>
+              <a:rPr lang="en-US" sz="3600" dirty="0" smtClean="0">
+                <a:latin typeface="Arial" pitchFamily="34" charset="0"/>
+                <a:cs typeface="Arial" pitchFamily="34" charset="0"/>
+              </a:rPr>
+              <a:t> model</a:t>
+            </a:r>
+            <a:endParaRPr lang="en-US" sz="3600" dirty="0">
+              <a:latin typeface="Arial" pitchFamily="34" charset="0"/>
+              <a:cs typeface="Arial" pitchFamily="34" charset="0"/>
+            </a:endParaRPr>
+          </a:p>
+        </p:txBody>
+      </p:sp>
+      <p:sp>
+        <p:nvSpPr>
           <p:cNvPr id="3" name="Content Placeholder 2"/>
           <p:cNvSpPr>
             <a:spLocks noGrp="1"/>
@@ -4062,28 +4123,23 @@
             <p:ph idx="1"/>
           </p:nvPr>
         </p:nvSpPr>
-        <p:spPr>
-          <a:xfrm>
-            <a:off x="457200" y="1143000"/>
-            <a:ext cx="8229600" cy="4983163"/>
-          </a:xfrm>
-        </p:spPr>
+        <p:spPr/>
         <p:txBody>
           <a:bodyPr>
-            <a:normAutofit/>
+            <a:normAutofit lnSpcReduction="10000"/>
           </a:bodyPr>
           <a:lstStyle/>
           <a:p>
-            <a:pPr algn="just">
+            <a:pPr marL="342900" indent="-342900">
               <a:buFont typeface="+mj-lt"/>
               <a:buAutoNum type="arabicPeriod"/>
             </a:pPr>
             <a:r>
-              <a:rPr lang="en-US" sz="1600" b="1" dirty="0" smtClean="0">
-                <a:latin typeface="Arial" pitchFamily="34" charset="0"/>
-                <a:cs typeface="Arial" pitchFamily="34" charset="0"/>
-              </a:rPr>
-              <a:t>Constitutive relations for aggregate phase</a:t>
+              <a:rPr lang="en-US" sz="1800" b="1" dirty="0" smtClean="0">
+                <a:latin typeface="Arial" pitchFamily="34" charset="0"/>
+                <a:cs typeface="Arial" pitchFamily="34" charset="0"/>
+              </a:rPr>
+              <a:t>Continuum methods – application</a:t>
             </a:r>
           </a:p>
           <a:p>
@@ -4093,91 +4149,144 @@
                 <a:latin typeface="Arial" pitchFamily="34" charset="0"/>
                 <a:cs typeface="Arial" pitchFamily="34" charset="0"/>
               </a:rPr>
-              <a:t>Most researchers have used a linear elastic material model for aggregates in normal strength concrete under low rate of loadings which can be reasonable because the failure is going through the mortar and the ITZ and aggregate remain in elastic stage.</a:t>
+              <a:t>Parametric analysis is one main application of the </a:t>
+            </a:r>
+            <a:r>
+              <a:rPr lang="en-US" sz="1600" dirty="0" err="1" smtClean="0">
+                <a:latin typeface="Arial" pitchFamily="34" charset="0"/>
+                <a:cs typeface="Arial" pitchFamily="34" charset="0"/>
+              </a:rPr>
+              <a:t>mesoscale</a:t>
+            </a:r>
+            <a:r>
+              <a:rPr lang="en-US" sz="1600" dirty="0" smtClean="0">
+                <a:latin typeface="Arial" pitchFamily="34" charset="0"/>
+                <a:cs typeface="Arial" pitchFamily="34" charset="0"/>
+              </a:rPr>
+              <a:t> models. Using the parametric analysis, impact of critical parameters on the performance of the concrete can be investigated.</a:t>
             </a:r>
           </a:p>
           <a:p>
             <a:pPr algn="just"/>
             <a:r>
+              <a:rPr lang="en-US" sz="1600" dirty="0" smtClean="0"/>
+              <a:t> </a:t>
+            </a:r>
+            <a:r>
               <a:rPr lang="en-US" sz="1600" dirty="0" smtClean="0">
                 <a:latin typeface="Arial" pitchFamily="34" charset="0"/>
                 <a:cs typeface="Arial" pitchFamily="34" charset="0"/>
               </a:rPr>
-              <a:t>For </a:t>
-            </a:r>
-            <a:r>
-              <a:rPr lang="en-US" sz="1600" dirty="0">
-                <a:latin typeface="Arial" pitchFamily="34" charset="0"/>
-                <a:cs typeface="Arial" pitchFamily="34" charset="0"/>
-              </a:rPr>
-              <a:t>high and very-high strength concrete, nonlinear material models shall be used for aggregates</a:t>
+              <a:t>2D </a:t>
+            </a:r>
+            <a:r>
+              <a:rPr lang="en-US" sz="1600" dirty="0" err="1" smtClean="0">
+                <a:latin typeface="Arial" pitchFamily="34" charset="0"/>
+                <a:cs typeface="Arial" pitchFamily="34" charset="0"/>
+              </a:rPr>
+              <a:t>mesoscale</a:t>
             </a:r>
             <a:r>
               <a:rPr lang="en-US" sz="1600" dirty="0" smtClean="0">
                 <a:latin typeface="Arial" pitchFamily="34" charset="0"/>
                 <a:cs typeface="Arial" pitchFamily="34" charset="0"/>
               </a:rPr>
-              <a:t>.</a:t>
-            </a:r>
-          </a:p>
-          <a:p>
-            <a:pPr algn="just">
-              <a:buNone/>
-            </a:pPr>
+              <a:t> model using circular aggregates and carried out a parametric analysis by varying critical parameters such as aggregate volume fraction. Concrete model was tested for varying aggregate volume fractions and it was found that when the aggregate volume fraction is increased, cracks in the concrete get localized and the stiffness of concrete increases.</a:t>
+            </a:r>
+          </a:p>
+          <a:p>
+            <a:pPr algn="just"/>
+            <a:r>
+              <a:rPr lang="en-US" sz="1600" dirty="0" smtClean="0">
+                <a:latin typeface="Arial" pitchFamily="34" charset="0"/>
+                <a:cs typeface="Arial" pitchFamily="34" charset="0"/>
+              </a:rPr>
+              <a:t>Developed a 2D </a:t>
+            </a:r>
+            <a:r>
+              <a:rPr lang="en-US" sz="1600" dirty="0" err="1" smtClean="0">
+                <a:latin typeface="Arial" pitchFamily="34" charset="0"/>
+                <a:cs typeface="Arial" pitchFamily="34" charset="0"/>
+              </a:rPr>
+              <a:t>mesoscale</a:t>
+            </a:r>
+            <a:r>
+              <a:rPr lang="en-US" sz="1600" dirty="0" smtClean="0">
+                <a:latin typeface="Arial" pitchFamily="34" charset="0"/>
+                <a:cs typeface="Arial" pitchFamily="34" charset="0"/>
+              </a:rPr>
+              <a:t> model using ellipsoidal particle shapes and analyzed the effect of aggregate volume fraction, percentage of pores present in the area and the size of the concrete specimen. It was found that with the increase of size of the concrete specimen, volume fraction of aggregates and percentage of pores in concrete, the peak strength of the concrete reduces.</a:t>
+            </a:r>
+          </a:p>
+          <a:p>
+            <a:pPr algn="just"/>
+            <a:r>
+              <a:rPr lang="en-US" sz="1600" dirty="0" smtClean="0">
+                <a:latin typeface="Arial" pitchFamily="34" charset="0"/>
+                <a:cs typeface="Arial" pitchFamily="34" charset="0"/>
+              </a:rPr>
+              <a:t>Concrete fracture and damage propagation behavior is another main researched area using </a:t>
+            </a:r>
+            <a:r>
+              <a:rPr lang="en-US" sz="1600" dirty="0" err="1" smtClean="0">
+                <a:latin typeface="Arial" pitchFamily="34" charset="0"/>
+                <a:cs typeface="Arial" pitchFamily="34" charset="0"/>
+              </a:rPr>
+              <a:t>mesoscale</a:t>
+            </a:r>
+            <a:r>
+              <a:rPr lang="en-US" sz="1600" dirty="0" smtClean="0">
+                <a:latin typeface="Arial" pitchFamily="34" charset="0"/>
+                <a:cs typeface="Arial" pitchFamily="34" charset="0"/>
+              </a:rPr>
+              <a:t> models shows the fracture behavior obtained from continuum </a:t>
+            </a:r>
+            <a:r>
+              <a:rPr lang="en-US" sz="1600" dirty="0" err="1" smtClean="0">
+                <a:latin typeface="Arial" pitchFamily="34" charset="0"/>
+                <a:cs typeface="Arial" pitchFamily="34" charset="0"/>
+              </a:rPr>
+              <a:t>mesoscale</a:t>
+            </a:r>
+            <a:r>
+              <a:rPr lang="en-US" sz="1600" dirty="0" smtClean="0">
+                <a:latin typeface="Arial" pitchFamily="34" charset="0"/>
+                <a:cs typeface="Arial" pitchFamily="34" charset="0"/>
+              </a:rPr>
+              <a:t> </a:t>
+            </a:r>
+            <a:r>
+              <a:rPr lang="en-US" sz="1600" dirty="0" err="1" smtClean="0">
+                <a:latin typeface="Arial" pitchFamily="34" charset="0"/>
+                <a:cs typeface="Arial" pitchFamily="34" charset="0"/>
+              </a:rPr>
+              <a:t>modelling</a:t>
+            </a:r>
+            <a:r>
+              <a:rPr lang="en-US" sz="1600" dirty="0" smtClean="0">
+                <a:latin typeface="Arial" pitchFamily="34" charset="0"/>
+                <a:cs typeface="Arial" pitchFamily="34" charset="0"/>
+              </a:rPr>
+              <a:t> for concrete under </a:t>
+            </a:r>
+            <a:r>
+              <a:rPr lang="en-US" sz="1600" dirty="0" err="1" smtClean="0">
+                <a:latin typeface="Arial" pitchFamily="34" charset="0"/>
+                <a:cs typeface="Arial" pitchFamily="34" charset="0"/>
+              </a:rPr>
+              <a:t>uniaxial</a:t>
+            </a:r>
+            <a:r>
+              <a:rPr lang="en-US" sz="1600" dirty="0" smtClean="0">
+                <a:latin typeface="Arial" pitchFamily="34" charset="0"/>
+                <a:cs typeface="Arial" pitchFamily="34" charset="0"/>
+              </a:rPr>
+              <a:t> tension.</a:t>
+            </a:r>
+          </a:p>
+          <a:p>
+            <a:pPr algn="just"/>
             <a:endParaRPr lang="en-US" sz="1600" dirty="0" smtClean="0">
-              <a:latin typeface="Arial" pitchFamily="34" charset="0"/>
-              <a:cs typeface="Arial" pitchFamily="34" charset="0"/>
-            </a:endParaRPr>
-          </a:p>
-          <a:p>
-            <a:pPr algn="just">
-              <a:buNone/>
-            </a:pPr>
-            <a:r>
-              <a:rPr lang="en-US" sz="1600" dirty="0" smtClean="0"/>
-              <a:t>2 .</a:t>
-            </a:r>
-            <a:r>
-              <a:rPr lang="en-US" sz="1600" b="1" dirty="0" smtClean="0"/>
-              <a:t> </a:t>
-            </a:r>
-            <a:r>
-              <a:rPr lang="en-US" sz="1600" b="1" dirty="0" smtClean="0">
-                <a:latin typeface="Arial" pitchFamily="34" charset="0"/>
-                <a:cs typeface="Arial" pitchFamily="34" charset="0"/>
-              </a:rPr>
-              <a:t>Constitutive relations for mortar phase</a:t>
-            </a:r>
-          </a:p>
-          <a:p>
-            <a:pPr algn="just"/>
-            <a:r>
-              <a:rPr lang="en-US" sz="1600" dirty="0" smtClean="0">
-                <a:latin typeface="Arial" pitchFamily="34" charset="0"/>
-                <a:cs typeface="Arial" pitchFamily="34" charset="0"/>
-              </a:rPr>
-              <a:t>Most of the researchers have used CDPM to represent the behavior of </a:t>
-            </a:r>
-            <a:r>
-              <a:rPr lang="en-US" sz="1600" dirty="0" smtClean="0">
-                <a:latin typeface="Arial" pitchFamily="34" charset="0"/>
-                <a:cs typeface="Arial" pitchFamily="34" charset="0"/>
-              </a:rPr>
-              <a:t>mortar.</a:t>
-            </a:r>
-          </a:p>
-          <a:p>
-            <a:pPr algn="just">
-              <a:buNone/>
-            </a:pPr>
-            <a:endParaRPr lang="en-US" sz="1600" dirty="0" smtClean="0">
-              <a:latin typeface="Arial" pitchFamily="34" charset="0"/>
-              <a:cs typeface="Arial" pitchFamily="34" charset="0"/>
-            </a:endParaRPr>
-          </a:p>
-          <a:p>
-            <a:pPr algn="just"/>
-            <a:endParaRPr lang="en-US" sz="1600" b="1" dirty="0">
               <a:latin typeface="Arial" pitchFamily="34" charset="0"/>
               <a:cs typeface="Arial" pitchFamily="34" charset="0"/>
             </a:endParaRPr>
@@ -4216,231 +4325,29 @@
           <a:chExt cx="0" cy="0"/>
         </a:xfrm>
       </p:grpSpPr>
-      <p:sp>
-        <p:nvSpPr>
-          <p:cNvPr id="2" name="Title 1"/>
-          <p:cNvSpPr>
-            <a:spLocks noGrp="1"/>
-          </p:cNvSpPr>
-          <p:nvPr>
-            <p:ph type="title"/>
-          </p:nvPr>
-        </p:nvSpPr>
-        <p:spPr/>
-        <p:txBody>
-          <a:bodyPr>
-            <a:noAutofit/>
-          </a:bodyPr>
-          <a:lstStyle/>
-          <a:p>
-            <a:r>
-              <a:rPr lang="en-US" sz="3600" dirty="0" smtClean="0">
-                <a:latin typeface="Arial" pitchFamily="34" charset="0"/>
-                <a:cs typeface="Arial" pitchFamily="34" charset="0"/>
-              </a:rPr>
-              <a:t>Applications, pros and cons of different </a:t>
-            </a:r>
-            <a:r>
-              <a:rPr lang="en-US" sz="3600" dirty="0" err="1" smtClean="0">
-                <a:latin typeface="Arial" pitchFamily="34" charset="0"/>
-                <a:cs typeface="Arial" pitchFamily="34" charset="0"/>
-              </a:rPr>
-              <a:t>mesoscale</a:t>
-            </a:r>
-            <a:r>
-              <a:rPr lang="en-US" sz="3600" dirty="0" smtClean="0">
-                <a:latin typeface="Arial" pitchFamily="34" charset="0"/>
-                <a:cs typeface="Arial" pitchFamily="34" charset="0"/>
-              </a:rPr>
-              <a:t> model</a:t>
-            </a:r>
-            <a:endParaRPr lang="en-US" sz="3600" dirty="0">
-              <a:latin typeface="Arial" pitchFamily="34" charset="0"/>
-              <a:cs typeface="Arial" pitchFamily="34" charset="0"/>
-            </a:endParaRPr>
-          </a:p>
-        </p:txBody>
-      </p:sp>
-      <p:sp>
-        <p:nvSpPr>
-          <p:cNvPr id="3" name="Content Placeholder 2"/>
-          <p:cNvSpPr>
-            <a:spLocks noGrp="1"/>
-          </p:cNvSpPr>
+      <p:pic>
+        <p:nvPicPr>
+          <p:cNvPr id="4" name="Content Placeholder 3" descr="Screenshot 2024-03-25 092811.png"/>
+          <p:cNvPicPr>
+            <a:picLocks noGrp="1" noChangeAspect="1"/>
+          </p:cNvPicPr>
           <p:nvPr>
             <p:ph idx="1"/>
           </p:nvPr>
-        </p:nvSpPr>
-        <p:spPr/>
-        <p:txBody>
-          <a:bodyPr>
-            <a:normAutofit lnSpcReduction="10000"/>
-          </a:bodyPr>
-          <a:lstStyle/>
-          <a:p>
-            <a:pPr marL="342900" indent="-342900">
-              <a:buFont typeface="+mj-lt"/>
-              <a:buAutoNum type="arabicPeriod"/>
-            </a:pPr>
-            <a:r>
-              <a:rPr lang="en-US" sz="1800" b="1" dirty="0" smtClean="0">
-                <a:latin typeface="Arial" pitchFamily="34" charset="0"/>
-                <a:cs typeface="Arial" pitchFamily="34" charset="0"/>
-              </a:rPr>
-              <a:t>Continuum methods – application</a:t>
-            </a:r>
-          </a:p>
-          <a:p>
-            <a:pPr algn="just"/>
-            <a:r>
-              <a:rPr lang="en-US" sz="1600" dirty="0" smtClean="0">
-                <a:latin typeface="Arial" pitchFamily="34" charset="0"/>
-                <a:cs typeface="Arial" pitchFamily="34" charset="0"/>
-              </a:rPr>
-              <a:t>Parametric analysis is one main application of the </a:t>
-            </a:r>
-            <a:r>
-              <a:rPr lang="en-US" sz="1600" dirty="0" err="1" smtClean="0">
-                <a:latin typeface="Arial" pitchFamily="34" charset="0"/>
-                <a:cs typeface="Arial" pitchFamily="34" charset="0"/>
-              </a:rPr>
-              <a:t>mesoscale</a:t>
-            </a:r>
-            <a:r>
-              <a:rPr lang="en-US" sz="1600" dirty="0" smtClean="0">
-                <a:latin typeface="Arial" pitchFamily="34" charset="0"/>
-                <a:cs typeface="Arial" pitchFamily="34" charset="0"/>
-              </a:rPr>
-              <a:t> models. Using the parametric analysis, impact of critical parameters on the performance of the concrete can be investigated.</a:t>
-            </a:r>
-          </a:p>
-          <a:p>
-            <a:pPr algn="just"/>
-            <a:r>
-              <a:rPr lang="en-US" sz="1600" dirty="0" smtClean="0"/>
-              <a:t> </a:t>
-            </a:r>
-            <a:r>
-              <a:rPr lang="en-US" sz="1600" dirty="0" smtClean="0">
-                <a:latin typeface="Arial" pitchFamily="34" charset="0"/>
-                <a:cs typeface="Arial" pitchFamily="34" charset="0"/>
-              </a:rPr>
-              <a:t>2D </a:t>
-            </a:r>
-            <a:r>
-              <a:rPr lang="en-US" sz="1600" dirty="0" err="1" smtClean="0">
-                <a:latin typeface="Arial" pitchFamily="34" charset="0"/>
-                <a:cs typeface="Arial" pitchFamily="34" charset="0"/>
-              </a:rPr>
-              <a:t>mesoscale</a:t>
-            </a:r>
-            <a:r>
-              <a:rPr lang="en-US" sz="1600" dirty="0" smtClean="0">
-                <a:latin typeface="Arial" pitchFamily="34" charset="0"/>
-                <a:cs typeface="Arial" pitchFamily="34" charset="0"/>
-              </a:rPr>
-              <a:t> model using circular aggregates and carried out a parametric analysis by varying critical parameters such as aggregate volume fraction. Concrete model was tested for varying aggregate volume fractions and it was found that when the aggregate volume fraction is increased, cracks in the concrete get localized and the stiffness of concrete increases.</a:t>
-            </a:r>
-          </a:p>
-          <a:p>
-            <a:pPr algn="just"/>
-            <a:r>
-              <a:rPr lang="en-US" sz="1600" dirty="0" smtClean="0">
-                <a:latin typeface="Arial" pitchFamily="34" charset="0"/>
-                <a:cs typeface="Arial" pitchFamily="34" charset="0"/>
-              </a:rPr>
-              <a:t>Developed a 2D </a:t>
-            </a:r>
-            <a:r>
-              <a:rPr lang="en-US" sz="1600" dirty="0" err="1" smtClean="0">
-                <a:latin typeface="Arial" pitchFamily="34" charset="0"/>
-                <a:cs typeface="Arial" pitchFamily="34" charset="0"/>
-              </a:rPr>
-              <a:t>mesoscale</a:t>
-            </a:r>
-            <a:r>
-              <a:rPr lang="en-US" sz="1600" dirty="0" smtClean="0">
-                <a:latin typeface="Arial" pitchFamily="34" charset="0"/>
-                <a:cs typeface="Arial" pitchFamily="34" charset="0"/>
-              </a:rPr>
-              <a:t> model using ellipsoidal particle shapes and analyzed the effect of aggregate volume fraction, percentage of pores present in the area and the size of the concrete specimen. It was found that with the increase of size of the concrete specimen, volume fraction of aggregates and percentage of pores in concrete, the peak strength of the concrete reduces.</a:t>
-            </a:r>
-          </a:p>
-          <a:p>
-            <a:pPr algn="just"/>
-            <a:r>
-              <a:rPr lang="en-US" sz="1600" dirty="0" smtClean="0">
-                <a:latin typeface="Arial" pitchFamily="34" charset="0"/>
-                <a:cs typeface="Arial" pitchFamily="34" charset="0"/>
-              </a:rPr>
-              <a:t>Concrete fracture and damage propagation behavior is another main researched area using </a:t>
-            </a:r>
-            <a:r>
-              <a:rPr lang="en-US" sz="1600" dirty="0" err="1" smtClean="0">
-                <a:latin typeface="Arial" pitchFamily="34" charset="0"/>
-                <a:cs typeface="Arial" pitchFamily="34" charset="0"/>
-              </a:rPr>
-              <a:t>mesoscale</a:t>
-            </a:r>
-            <a:r>
-              <a:rPr lang="en-US" sz="1600" dirty="0" smtClean="0">
-                <a:latin typeface="Arial" pitchFamily="34" charset="0"/>
-                <a:cs typeface="Arial" pitchFamily="34" charset="0"/>
-              </a:rPr>
-              <a:t> models shows the fracture behavior obtained from continuum </a:t>
-            </a:r>
-            <a:r>
-              <a:rPr lang="en-US" sz="1600" dirty="0" err="1" smtClean="0">
-                <a:latin typeface="Arial" pitchFamily="34" charset="0"/>
-                <a:cs typeface="Arial" pitchFamily="34" charset="0"/>
-              </a:rPr>
-              <a:t>mesoscale</a:t>
-            </a:r>
-            <a:r>
-              <a:rPr lang="en-US" sz="1600" dirty="0" smtClean="0">
-                <a:latin typeface="Arial" pitchFamily="34" charset="0"/>
-                <a:cs typeface="Arial" pitchFamily="34" charset="0"/>
-              </a:rPr>
-              <a:t> </a:t>
-            </a:r>
-            <a:r>
-              <a:rPr lang="en-US" sz="1600" dirty="0" err="1" smtClean="0">
-                <a:latin typeface="Arial" pitchFamily="34" charset="0"/>
-                <a:cs typeface="Arial" pitchFamily="34" charset="0"/>
-              </a:rPr>
-              <a:t>modelling</a:t>
-            </a:r>
-            <a:r>
-              <a:rPr lang="en-US" sz="1600" dirty="0" smtClean="0">
-                <a:latin typeface="Arial" pitchFamily="34" charset="0"/>
-                <a:cs typeface="Arial" pitchFamily="34" charset="0"/>
-              </a:rPr>
-              <a:t> for concrete under </a:t>
-            </a:r>
-            <a:r>
-              <a:rPr lang="en-US" sz="1600" dirty="0" err="1" smtClean="0">
-                <a:latin typeface="Arial" pitchFamily="34" charset="0"/>
-                <a:cs typeface="Arial" pitchFamily="34" charset="0"/>
-              </a:rPr>
-              <a:t>uniaxial</a:t>
-            </a:r>
-            <a:r>
-              <a:rPr lang="en-US" sz="1600" dirty="0" smtClean="0">
-                <a:latin typeface="Arial" pitchFamily="34" charset="0"/>
-                <a:cs typeface="Arial" pitchFamily="34" charset="0"/>
-              </a:rPr>
-              <a:t> tension.</a:t>
-            </a:r>
-          </a:p>
-          <a:p>
-            <a:pPr algn="just"/>
-            <a:endParaRPr lang="en-US" sz="1600" dirty="0" smtClean="0">
-              <a:latin typeface="Arial" pitchFamily="34" charset="0"/>
-              <a:cs typeface="Arial" pitchFamily="34" charset="0"/>
-            </a:endParaRPr>
-          </a:p>
-        </p:txBody>
-      </p:sp>
+        </p:nvPicPr>
+        <p:blipFill>
+          <a:blip r:embed="rId2"/>
+          <a:stretch>
+            <a:fillRect/>
+          </a:stretch>
+        </p:blipFill>
+        <p:spPr>
+          <a:xfrm>
+            <a:off x="1524000" y="1219200"/>
+            <a:ext cx="6248400" cy="4137900"/>
+          </a:xfrm>
+        </p:spPr>
+      </p:pic>
     </p:spTree>
   </p:cSld>
   <p:clrMapOvr>
@@ -4473,9 +4380,40 @@
           <a:chExt cx="0" cy="0"/>
         </a:xfrm>
       </p:grpSpPr>
+      <p:sp>
+        <p:nvSpPr>
+          <p:cNvPr id="2" name="Title 1"/>
+          <p:cNvSpPr>
+            <a:spLocks noGrp="1"/>
+          </p:cNvSpPr>
+          <p:nvPr>
+            <p:ph type="title"/>
+          </p:nvPr>
+        </p:nvSpPr>
+        <p:spPr/>
+        <p:txBody>
+          <a:bodyPr>
+            <a:noAutofit/>
+          </a:bodyPr>
+          <a:lstStyle/>
+          <a:p>
+            <a:r>
+              <a:rPr lang="en-US" sz="3200" dirty="0" smtClean="0">
+                <a:latin typeface="Arial" pitchFamily="34" charset="0"/>
+                <a:cs typeface="Arial" pitchFamily="34" charset="0"/>
+              </a:rPr>
+              <a:t>Effect of Aggregate Volume Fraction</a:t>
+            </a:r>
+            <a:endParaRPr lang="en-US" sz="3200" dirty="0">
+              <a:latin typeface="Arial" pitchFamily="34" charset="0"/>
+              <a:cs typeface="Arial" pitchFamily="34" charset="0"/>
+            </a:endParaRPr>
+          </a:p>
+        </p:txBody>
+      </p:sp>
       <p:pic>
         <p:nvPicPr>
-          <p:cNvPr id="4" name="Content Placeholder 3" descr="Screenshot 2024-03-25 092811.png"/>
+          <p:cNvPr id="4" name="Content Placeholder 3" descr="Screenshot 2024-03-25 142131.png"/>
           <p:cNvPicPr>
             <a:picLocks noGrp="1" noChangeAspect="1"/>
           </p:cNvPicPr>
@@ -4491,8 +4429,8 @@
         </p:blipFill>
         <p:spPr>
           <a:xfrm>
-            <a:off x="1524000" y="1219200"/>
-            <a:ext cx="6248400" cy="4137900"/>
+            <a:off x="457200" y="2320877"/>
+            <a:ext cx="8229600" cy="3618009"/>
           </a:xfrm>
         </p:spPr>
       </p:pic>
@@ -4538,57 +4476,167 @@
             <p:ph type="title"/>
           </p:nvPr>
         </p:nvSpPr>
-        <p:spPr/>
+        <p:spPr>
+          <a:xfrm>
+            <a:off x="381000" y="838200"/>
+            <a:ext cx="8153400" cy="914400"/>
+          </a:xfrm>
+        </p:spPr>
         <p:txBody>
           <a:bodyPr>
-            <a:noAutofit/>
+            <a:normAutofit/>
           </a:bodyPr>
           <a:lstStyle/>
           <a:p>
-            <a:r>
-              <a:rPr lang="en-US" sz="3200" dirty="0" smtClean="0">
-                <a:latin typeface="Arial" pitchFamily="34" charset="0"/>
-                <a:cs typeface="Arial" pitchFamily="34" charset="0"/>
-              </a:rPr>
-              <a:t>Effect of Aggregate Volume </a:t>
-            </a:r>
-            <a:r>
-              <a:rPr lang="en-US" sz="3200" dirty="0" smtClean="0">
-                <a:latin typeface="Arial" pitchFamily="34" charset="0"/>
-                <a:cs typeface="Arial" pitchFamily="34" charset="0"/>
-              </a:rPr>
-              <a:t>Fraction</a:t>
-            </a:r>
-            <a:endParaRPr lang="en-US" sz="3200" dirty="0">
+            <a:pPr algn="just"/>
+            <a:r>
+              <a:rPr lang="en-US" sz="3600" dirty="0" smtClean="0">
+                <a:latin typeface="Arial" pitchFamily="34" charset="0"/>
+                <a:cs typeface="Arial" pitchFamily="34" charset="0"/>
+              </a:rPr>
+              <a:t>Continuum methods – Pros and Con</a:t>
+            </a:r>
+            <a:endParaRPr lang="en-US" sz="3600" dirty="0">
               <a:latin typeface="Arial" pitchFamily="34" charset="0"/>
               <a:cs typeface="Arial" pitchFamily="34" charset="0"/>
             </a:endParaRPr>
           </a:p>
         </p:txBody>
       </p:sp>
-      <p:pic>
-        <p:nvPicPr>
-          <p:cNvPr id="4" name="Content Placeholder 3" descr="Screenshot 2024-03-25 142131.png"/>
-          <p:cNvPicPr>
-            <a:picLocks noGrp="1" noChangeAspect="1"/>
-          </p:cNvPicPr>
+      <p:sp>
+        <p:nvSpPr>
+          <p:cNvPr id="3" name="Content Placeholder 2"/>
+          <p:cNvSpPr>
+            <a:spLocks noGrp="1"/>
+          </p:cNvSpPr>
           <p:nvPr>
             <p:ph idx="1"/>
           </p:nvPr>
-        </p:nvPicPr>
-        <p:blipFill>
-          <a:blip r:embed="rId2"/>
-          <a:stretch>
-            <a:fillRect/>
-          </a:stretch>
-        </p:blipFill>
+        </p:nvSpPr>
         <p:spPr>
           <a:xfrm>
-            <a:off x="457200" y="2320877"/>
-            <a:ext cx="8229600" cy="3618009"/>
+            <a:off x="457200" y="1905000"/>
+            <a:ext cx="8229600" cy="4419600"/>
           </a:xfrm>
         </p:spPr>
-      </p:pic>
+        <p:txBody>
+          <a:bodyPr>
+            <a:normAutofit fontScale="92500" lnSpcReduction="20000"/>
+          </a:bodyPr>
+          <a:lstStyle/>
+          <a:p>
+            <a:r>
+              <a:rPr lang="en-US" sz="1600" dirty="0" smtClean="0">
+                <a:latin typeface="Arial" pitchFamily="34" charset="0"/>
+                <a:cs typeface="Arial" pitchFamily="34" charset="0"/>
+              </a:rPr>
+              <a:t>In the continuum method, the geometry of the </a:t>
+            </a:r>
+            <a:r>
+              <a:rPr lang="en-US" sz="1600" dirty="0" err="1" smtClean="0">
+                <a:latin typeface="Arial" pitchFamily="34" charset="0"/>
+                <a:cs typeface="Arial" pitchFamily="34" charset="0"/>
+              </a:rPr>
+              <a:t>mesostructure</a:t>
+            </a:r>
+            <a:r>
+              <a:rPr lang="en-US" sz="1600" dirty="0" smtClean="0">
+                <a:latin typeface="Arial" pitchFamily="34" charset="0"/>
+                <a:cs typeface="Arial" pitchFamily="34" charset="0"/>
+              </a:rPr>
+              <a:t> of the concrete can be generated explicitly compared with the discrete models</a:t>
+            </a:r>
+            <a:r>
+              <a:rPr lang="en-US" dirty="0" smtClean="0"/>
+              <a:t>. </a:t>
+            </a:r>
+          </a:p>
+          <a:p>
+            <a:pPr algn="just"/>
+            <a:r>
+              <a:rPr lang="en-US" sz="1600" dirty="0" smtClean="0">
+                <a:latin typeface="Arial" pitchFamily="34" charset="0"/>
+                <a:cs typeface="Arial" pitchFamily="34" charset="0"/>
+              </a:rPr>
+              <a:t>Aggregates can be realistically modeled according to a particle size distribution curve satisfying the required volume fraction. Hence, continuum methods are more suitable for parametric analysis compared with the discrete models. </a:t>
+            </a:r>
+          </a:p>
+          <a:p>
+            <a:pPr algn="just"/>
+            <a:r>
+              <a:rPr lang="en-US" sz="1600" dirty="0" smtClean="0">
+                <a:latin typeface="Arial" pitchFamily="34" charset="0"/>
+                <a:cs typeface="Arial" pitchFamily="34" charset="0"/>
+              </a:rPr>
+              <a:t>Continuum methods have complex constitutive relations to represent the behavior of consisting phases.</a:t>
+            </a:r>
+          </a:p>
+          <a:p>
+            <a:pPr algn="just"/>
+            <a:r>
+              <a:rPr lang="en-US" sz="1600" dirty="0" smtClean="0">
+                <a:latin typeface="Arial" pitchFamily="34" charset="0"/>
+                <a:cs typeface="Arial" pitchFamily="34" charset="0"/>
+              </a:rPr>
+              <a:t>Number of material parameters to describe the material behavior is higher compared to the discrete models and obtaining accurate material parameters for all three phases is challenging. </a:t>
+            </a:r>
+          </a:p>
+          <a:p>
+            <a:pPr algn="just"/>
+            <a:r>
+              <a:rPr lang="en-US" sz="1600" dirty="0" smtClean="0">
+                <a:latin typeface="Arial" pitchFamily="34" charset="0"/>
+                <a:cs typeface="Arial" pitchFamily="34" charset="0"/>
+              </a:rPr>
+              <a:t>Mesh sensitivity of the models will affect the results of the simulations and hence a proper size of mesh needs to be selected. However, when the mesh size is too small, the computational resource requirement increases significantly.</a:t>
+            </a:r>
+          </a:p>
+          <a:p>
+            <a:pPr algn="just"/>
+            <a:r>
+              <a:rPr lang="en-US" sz="1600" dirty="0" smtClean="0">
+                <a:latin typeface="Arial" pitchFamily="34" charset="0"/>
+                <a:cs typeface="Arial" pitchFamily="34" charset="0"/>
+              </a:rPr>
+              <a:t>Suitable material models for each consisting phase must be selected and this selection can affect the final results from the simulation. </a:t>
+            </a:r>
+          </a:p>
+          <a:p>
+            <a:pPr algn="just"/>
+            <a:r>
+              <a:rPr lang="en-US" sz="1600" dirty="0" smtClean="0">
+                <a:latin typeface="Arial" pitchFamily="34" charset="0"/>
+                <a:cs typeface="Arial" pitchFamily="34" charset="0"/>
+              </a:rPr>
+              <a:t>In continuum models, fracture path is not generally predefined other than the case where the cohesive elements are </a:t>
+            </a:r>
+            <a:r>
+              <a:rPr lang="en-US" sz="1600" dirty="0" err="1" smtClean="0">
+                <a:latin typeface="Arial" pitchFamily="34" charset="0"/>
+                <a:cs typeface="Arial" pitchFamily="34" charset="0"/>
+              </a:rPr>
+              <a:t>preinserted</a:t>
+            </a:r>
+            <a:r>
+              <a:rPr lang="en-US" sz="1600" dirty="0" smtClean="0">
+                <a:latin typeface="Arial" pitchFamily="34" charset="0"/>
+                <a:cs typeface="Arial" pitchFamily="34" charset="0"/>
+              </a:rPr>
+              <a:t>. Hence, a realistic fracture initiation and progression can be obtained compared with the discrete models.</a:t>
+            </a:r>
+          </a:p>
+          <a:p>
+            <a:pPr algn="just"/>
+            <a:r>
+              <a:rPr lang="en-US" sz="1600" dirty="0" smtClean="0">
+                <a:latin typeface="Arial" pitchFamily="34" charset="0"/>
+                <a:cs typeface="Arial" pitchFamily="34" charset="0"/>
+              </a:rPr>
+              <a:t>Continuum models is that the material parameters for one stress state can be used to simulate behavior in another stress state and obtain accurate behavior in that loading conditions.</a:t>
+            </a:r>
+          </a:p>
+        </p:txBody>
+      </p:sp>
     </p:spTree>
   </p:cSld>
   <p:clrMapOvr>
@@ -4631,199 +4679,42 @@
             <p:ph type="title"/>
           </p:nvPr>
         </p:nvSpPr>
+        <p:spPr/>
+        <p:txBody>
+          <a:bodyPr/>
+          <a:lstStyle/>
+          <a:p>
+            <a:r>
+              <a:rPr lang="en-US" dirty="0" smtClean="0"/>
+              <a:t>Effect of meshing </a:t>
+            </a:r>
+            <a:endParaRPr lang="en-US" dirty="0"/>
+          </a:p>
+        </p:txBody>
+      </p:sp>
+      <p:pic>
+        <p:nvPicPr>
+          <p:cNvPr id="4" name="Content Placeholder 3" descr="Screenshot 2024-03-25 144720.png"/>
+          <p:cNvPicPr>
+            <a:picLocks noGrp="1" noChangeAspect="1"/>
+          </p:cNvPicPr>
+          <p:nvPr>
+            <p:ph idx="1"/>
+          </p:nvPr>
+        </p:nvPicPr>
+        <p:blipFill>
+          <a:blip r:embed="rId2"/>
+          <a:stretch>
+            <a:fillRect/>
+          </a:stretch>
+        </p:blipFill>
         <p:spPr>
           <a:xfrm>
-            <a:off x="381000" y="838200"/>
-            <a:ext cx="8153400" cy="914400"/>
+            <a:off x="457200" y="2729706"/>
+            <a:ext cx="8229600" cy="2800350"/>
           </a:xfrm>
         </p:spPr>
-        <p:txBody>
-          <a:bodyPr>
-            <a:normAutofit/>
-          </a:bodyPr>
-          <a:lstStyle/>
-          <a:p>
-            <a:pPr algn="just"/>
-            <a:r>
-              <a:rPr lang="en-US" sz="3600" dirty="0" smtClean="0">
-                <a:latin typeface="Arial" pitchFamily="34" charset="0"/>
-                <a:cs typeface="Arial" pitchFamily="34" charset="0"/>
-              </a:rPr>
-              <a:t>Continuum methods – Pros and Con</a:t>
-            </a:r>
-            <a:endParaRPr lang="en-US" sz="3600" dirty="0">
-              <a:latin typeface="Arial" pitchFamily="34" charset="0"/>
-              <a:cs typeface="Arial" pitchFamily="34" charset="0"/>
-            </a:endParaRPr>
-          </a:p>
-        </p:txBody>
-      </p:sp>
-      <p:sp>
-        <p:nvSpPr>
-          <p:cNvPr id="3" name="Content Placeholder 2"/>
-          <p:cNvSpPr>
-            <a:spLocks noGrp="1"/>
-          </p:cNvSpPr>
-          <p:nvPr>
-            <p:ph idx="1"/>
-          </p:nvPr>
-        </p:nvSpPr>
-        <p:spPr>
-          <a:xfrm>
-            <a:off x="457200" y="1905000"/>
-            <a:ext cx="8229600" cy="4419600"/>
-          </a:xfrm>
-        </p:spPr>
-        <p:txBody>
-          <a:bodyPr>
-            <a:normAutofit fontScale="92500" lnSpcReduction="20000"/>
-          </a:bodyPr>
-          <a:lstStyle/>
-          <a:p>
-            <a:r>
-              <a:rPr lang="en-US" sz="1600" dirty="0" smtClean="0">
-                <a:latin typeface="Arial" pitchFamily="34" charset="0"/>
-                <a:cs typeface="Arial" pitchFamily="34" charset="0"/>
-              </a:rPr>
-              <a:t>In the continuum method, the geometry of the </a:t>
-            </a:r>
-            <a:r>
-              <a:rPr lang="en-US" sz="1600" dirty="0" err="1" smtClean="0">
-                <a:latin typeface="Arial" pitchFamily="34" charset="0"/>
-                <a:cs typeface="Arial" pitchFamily="34" charset="0"/>
-              </a:rPr>
-              <a:t>mesostructure</a:t>
-            </a:r>
-            <a:r>
-              <a:rPr lang="en-US" sz="1600" dirty="0" smtClean="0">
-                <a:latin typeface="Arial" pitchFamily="34" charset="0"/>
-                <a:cs typeface="Arial" pitchFamily="34" charset="0"/>
-              </a:rPr>
-              <a:t> of the concrete can be generated explicitly compared with the discrete models</a:t>
-            </a:r>
-            <a:r>
-              <a:rPr lang="en-US" dirty="0" smtClean="0"/>
-              <a:t>. </a:t>
-            </a:r>
-          </a:p>
-          <a:p>
-            <a:pPr algn="just"/>
-            <a:r>
-              <a:rPr lang="en-US" sz="1600" dirty="0" smtClean="0">
-                <a:latin typeface="Arial" pitchFamily="34" charset="0"/>
-                <a:cs typeface="Arial" pitchFamily="34" charset="0"/>
-              </a:rPr>
-              <a:t>Aggregates can be realistically </a:t>
-            </a:r>
-            <a:r>
-              <a:rPr lang="en-US" sz="1600" dirty="0" smtClean="0">
-                <a:latin typeface="Arial" pitchFamily="34" charset="0"/>
-                <a:cs typeface="Arial" pitchFamily="34" charset="0"/>
-              </a:rPr>
-              <a:t>modeled </a:t>
-            </a:r>
-            <a:r>
-              <a:rPr lang="en-US" sz="1600" dirty="0" smtClean="0">
-                <a:latin typeface="Arial" pitchFamily="34" charset="0"/>
-                <a:cs typeface="Arial" pitchFamily="34" charset="0"/>
-              </a:rPr>
-              <a:t>according to a particle size distribution curve satisfying the required volume fraction. Hence, continuum methods are more suitable for parametric analysis compared with the discrete models. </a:t>
-            </a:r>
-          </a:p>
-          <a:p>
-            <a:pPr algn="just"/>
-            <a:r>
-              <a:rPr lang="en-US" sz="1600" dirty="0" smtClean="0">
-                <a:latin typeface="Arial" pitchFamily="34" charset="0"/>
-                <a:cs typeface="Arial" pitchFamily="34" charset="0"/>
-              </a:rPr>
-              <a:t>Continuum methods have complex constitutive relations to represent the behavior of consisting phases.</a:t>
-            </a:r>
-          </a:p>
-          <a:p>
-            <a:pPr algn="just"/>
-            <a:r>
-              <a:rPr lang="en-US" sz="1600" dirty="0" smtClean="0">
-                <a:latin typeface="Arial" pitchFamily="34" charset="0"/>
-                <a:cs typeface="Arial" pitchFamily="34" charset="0"/>
-              </a:rPr>
-              <a:t>Number of material parameters to describe the material behavior is higher compared to the discrete models and obtaining accurate material parameters for all three phases is challenging. </a:t>
-            </a:r>
-            <a:endParaRPr lang="en-US" sz="1600" dirty="0" smtClean="0">
-              <a:latin typeface="Arial" pitchFamily="34" charset="0"/>
-              <a:cs typeface="Arial" pitchFamily="34" charset="0"/>
-            </a:endParaRPr>
-          </a:p>
-          <a:p>
-            <a:pPr algn="just"/>
-            <a:r>
-              <a:rPr lang="en-US" sz="1600" dirty="0" smtClean="0">
-                <a:latin typeface="Arial" pitchFamily="34" charset="0"/>
-                <a:cs typeface="Arial" pitchFamily="34" charset="0"/>
-              </a:rPr>
-              <a:t>Mesh sensitivity of the models will affect the results of the simulations and hence a proper size of mesh needs to be </a:t>
-            </a:r>
-            <a:r>
-              <a:rPr lang="en-US" sz="1600" dirty="0" smtClean="0">
-                <a:latin typeface="Arial" pitchFamily="34" charset="0"/>
-                <a:cs typeface="Arial" pitchFamily="34" charset="0"/>
-              </a:rPr>
-              <a:t>selected. </a:t>
-            </a:r>
-            <a:r>
-              <a:rPr lang="en-US" sz="1600" dirty="0" smtClean="0">
-                <a:latin typeface="Arial" pitchFamily="34" charset="0"/>
-                <a:cs typeface="Arial" pitchFamily="34" charset="0"/>
-              </a:rPr>
-              <a:t>However, when the mesh size is too small, the computational resource requirement increases significantly.</a:t>
-            </a:r>
-          </a:p>
-          <a:p>
-            <a:pPr algn="just"/>
-            <a:r>
-              <a:rPr lang="en-US" sz="1600" dirty="0" smtClean="0">
-                <a:latin typeface="Arial" pitchFamily="34" charset="0"/>
-                <a:cs typeface="Arial" pitchFamily="34" charset="0"/>
-              </a:rPr>
-              <a:t>Suitable material models for each consisting phase must be selected and this selection can affect the final results from the simulation. </a:t>
-            </a:r>
-          </a:p>
-          <a:p>
-            <a:pPr algn="just"/>
-            <a:r>
-              <a:rPr lang="en-US" sz="1600" dirty="0" smtClean="0">
-                <a:latin typeface="Arial" pitchFamily="34" charset="0"/>
-                <a:cs typeface="Arial" pitchFamily="34" charset="0"/>
-              </a:rPr>
-              <a:t>In continuum models, fracture path is not generally predefined other than the case where the cohesive elements are </a:t>
-            </a:r>
-            <a:r>
-              <a:rPr lang="en-US" sz="1600" dirty="0" err="1" smtClean="0">
-                <a:latin typeface="Arial" pitchFamily="34" charset="0"/>
-                <a:cs typeface="Arial" pitchFamily="34" charset="0"/>
-              </a:rPr>
-              <a:t>preinserted</a:t>
-            </a:r>
-            <a:r>
-              <a:rPr lang="en-US" sz="1600" dirty="0" smtClean="0">
-                <a:latin typeface="Arial" pitchFamily="34" charset="0"/>
-                <a:cs typeface="Arial" pitchFamily="34" charset="0"/>
-              </a:rPr>
-              <a:t>. Hence, a realistic fracture initiation and progression can be obtained compared with the discrete models.</a:t>
-            </a:r>
-          </a:p>
-          <a:p>
-            <a:pPr algn="just"/>
-            <a:r>
-              <a:rPr lang="en-US" sz="1600" dirty="0" smtClean="0">
-                <a:latin typeface="Arial" pitchFamily="34" charset="0"/>
-                <a:cs typeface="Arial" pitchFamily="34" charset="0"/>
-              </a:rPr>
-              <a:t>Continuum models is that the material parameters for one stress state can be used to simulate behavior in another stress state and obtain accurate behavior in that loading conditions.</a:t>
-            </a:r>
-          </a:p>
-        </p:txBody>
-      </p:sp>
+      </p:pic>
     </p:spTree>
   </p:cSld>
   <p:clrMapOvr>
@@ -4868,40 +4759,102 @@
         </p:nvSpPr>
         <p:spPr/>
         <p:txBody>
+          <a:bodyPr>
+            <a:normAutofit/>
+          </a:bodyPr>
+          <a:lstStyle/>
+          <a:p>
+            <a:r>
+              <a:rPr lang="en-US" sz="3600" dirty="0" smtClean="0">
+                <a:latin typeface="Arial" pitchFamily="34" charset="0"/>
+                <a:cs typeface="Arial" pitchFamily="34" charset="0"/>
+              </a:rPr>
+              <a:t>Discrete element method - applications</a:t>
+            </a:r>
+            <a:endParaRPr lang="en-US" sz="3600" dirty="0">
+              <a:latin typeface="Arial" pitchFamily="34" charset="0"/>
+              <a:cs typeface="Arial" pitchFamily="34" charset="0"/>
+            </a:endParaRPr>
+          </a:p>
+        </p:txBody>
+      </p:sp>
+      <p:sp>
+        <p:nvSpPr>
+          <p:cNvPr id="3" name="Content Placeholder 2"/>
+          <p:cNvSpPr>
+            <a:spLocks noGrp="1"/>
+          </p:cNvSpPr>
+          <p:nvPr>
+            <p:ph idx="1"/>
+          </p:nvPr>
+        </p:nvSpPr>
+        <p:spPr/>
+        <p:txBody>
           <a:bodyPr/>
           <a:lstStyle/>
           <a:p>
+            <a:pPr algn="just"/>
+            <a:r>
+              <a:rPr lang="en-US" sz="1500" dirty="0" smtClean="0">
+                <a:latin typeface="Arial" pitchFamily="34" charset="0"/>
+                <a:cs typeface="Arial" pitchFamily="34" charset="0"/>
+              </a:rPr>
+              <a:t>Main application of DEM in </a:t>
+            </a:r>
+            <a:r>
+              <a:rPr lang="en-US" sz="1500" dirty="0" err="1" smtClean="0">
+                <a:latin typeface="Arial" pitchFamily="34" charset="0"/>
+                <a:cs typeface="Arial" pitchFamily="34" charset="0"/>
+              </a:rPr>
+              <a:t>mesoscale</a:t>
+            </a:r>
+            <a:r>
+              <a:rPr lang="en-US" sz="1500" dirty="0" smtClean="0">
+                <a:latin typeface="Arial" pitchFamily="34" charset="0"/>
+                <a:cs typeface="Arial" pitchFamily="34" charset="0"/>
+              </a:rPr>
+              <a:t> models is the simulation of fracture behavior of concrete</a:t>
+            </a:r>
             <a:r>
               <a:rPr lang="en-US" dirty="0" smtClean="0"/>
-              <a:t>Effect of meshing </a:t>
-            </a:r>
-            <a:endParaRPr lang="en-US" dirty="0"/>
-          </a:p>
-        </p:txBody>
-      </p:sp>
-      <p:pic>
-        <p:nvPicPr>
-          <p:cNvPr id="4" name="Content Placeholder 3" descr="Screenshot 2024-03-25 144720.png"/>
-          <p:cNvPicPr>
-            <a:picLocks noGrp="1" noChangeAspect="1"/>
-          </p:cNvPicPr>
-          <p:nvPr>
-            <p:ph idx="1"/>
-          </p:nvPr>
-        </p:nvPicPr>
-        <p:blipFill>
-          <a:blip r:embed="rId2"/>
-          <a:stretch>
-            <a:fillRect/>
-          </a:stretch>
-        </p:blipFill>
-        <p:spPr>
-          <a:xfrm>
-            <a:off x="457200" y="2729706"/>
-            <a:ext cx="8229600" cy="2800350"/>
-          </a:xfrm>
-        </p:spPr>
-      </p:pic>
+              <a:t>.</a:t>
+            </a:r>
+          </a:p>
+          <a:p>
+            <a:pPr algn="just"/>
+            <a:r>
+              <a:rPr lang="en-US" sz="1500" dirty="0" smtClean="0">
+                <a:latin typeface="Arial" pitchFamily="34" charset="0"/>
+                <a:cs typeface="Arial" pitchFamily="34" charset="0"/>
+              </a:rPr>
+              <a:t>Parametric studies to investigate the effect of aggregate strength and aggregate shape on the strength of concrete.</a:t>
+            </a:r>
+          </a:p>
+          <a:p>
+            <a:pPr algn="just"/>
+            <a:r>
+              <a:rPr lang="en-US" sz="1500" dirty="0" smtClean="0">
+                <a:latin typeface="Arial" pitchFamily="34" charset="0"/>
+                <a:cs typeface="Arial" pitchFamily="34" charset="0"/>
+              </a:rPr>
+              <a:t>It should be noted that DEM is less suitable method to carry out the parametric studies compared with the continuum finite element method. Discrete element method.</a:t>
+            </a:r>
+          </a:p>
+          <a:p>
+            <a:pPr algn="just"/>
+            <a:endParaRPr lang="en-US" sz="1500" dirty="0" smtClean="0">
+              <a:latin typeface="Arial" pitchFamily="34" charset="0"/>
+              <a:cs typeface="Arial" pitchFamily="34" charset="0"/>
+            </a:endParaRPr>
+          </a:p>
+          <a:p>
+            <a:endParaRPr lang="en-US" sz="1500" dirty="0">
+              <a:latin typeface="Arial" pitchFamily="34" charset="0"/>
+              <a:cs typeface="Arial" pitchFamily="34" charset="0"/>
+            </a:endParaRPr>
+          </a:p>
+        </p:txBody>
+      </p:sp>
     </p:spTree>
   </p:cSld>
   <p:clrMapOvr>
@@ -4947,7 +4900,7 @@
         <p:spPr/>
         <p:txBody>
           <a:bodyPr>
-            <a:normAutofit/>
+            <a:noAutofit/>
           </a:bodyPr>
           <a:lstStyle/>
           <a:p>
@@ -4956,12 +4909,9 @@
                 <a:latin typeface="Arial" pitchFamily="34" charset="0"/>
                 <a:cs typeface="Arial" pitchFamily="34" charset="0"/>
               </a:rPr>
-              <a:t>Discrete element method - applications</a:t>
-            </a:r>
-            <a:endParaRPr lang="en-US" sz="3600" dirty="0">
-              <a:latin typeface="Arial" pitchFamily="34" charset="0"/>
-              <a:cs typeface="Arial" pitchFamily="34" charset="0"/>
-            </a:endParaRPr>
+              <a:t>Discrete element method – Pros and cons</a:t>
+            </a:r>
+            <a:endParaRPr lang="en-US" sz="3200" dirty="0"/>
           </a:p>
         </p:txBody>
       </p:sp>
@@ -4980,93 +4930,49 @@
           <a:bodyPr/>
           <a:lstStyle/>
           <a:p>
-            <a:pPr algn="just"/>
+            <a:pPr algn="just">
+              <a:lnSpc>
+                <a:spcPct val="90000"/>
+              </a:lnSpc>
+            </a:pPr>
             <a:r>
               <a:rPr lang="en-US" sz="1500" dirty="0" smtClean="0">
                 <a:latin typeface="Arial" pitchFamily="34" charset="0"/>
                 <a:cs typeface="Arial" pitchFamily="34" charset="0"/>
               </a:rPr>
-              <a:t>Main application of DEM in </a:t>
-            </a:r>
-            <a:r>
-              <a:rPr lang="en-US" sz="1500" dirty="0" err="1" smtClean="0">
-                <a:latin typeface="Arial" pitchFamily="34" charset="0"/>
-                <a:cs typeface="Arial" pitchFamily="34" charset="0"/>
-              </a:rPr>
-              <a:t>mesoscale</a:t>
-            </a:r>
+              <a:t>DEM uses simple constitutive laws to represent the material behavior compared with the continuum finite element method.</a:t>
+            </a:r>
+          </a:p>
+          <a:p>
+            <a:pPr algn="just">
+              <a:lnSpc>
+                <a:spcPct val="90000"/>
+              </a:lnSpc>
+            </a:pPr>
             <a:r>
               <a:rPr lang="en-US" sz="1500" dirty="0" smtClean="0">
                 <a:latin typeface="Arial" pitchFamily="34" charset="0"/>
                 <a:cs typeface="Arial" pitchFamily="34" charset="0"/>
               </a:rPr>
-              <a:t> models is the simulation of fracture behavior of concrete</a:t>
-            </a:r>
-            <a:r>
-              <a:rPr lang="en-US" dirty="0" smtClean="0"/>
-              <a:t>.</a:t>
-            </a:r>
-          </a:p>
-          <a:p>
-            <a:pPr algn="just"/>
+              <a:t>the number of parameters for the constitutive law is smaller and computationally more efficient.</a:t>
+            </a:r>
+          </a:p>
+          <a:p>
+            <a:pPr algn="just">
+              <a:lnSpc>
+                <a:spcPct val="90000"/>
+              </a:lnSpc>
+            </a:pPr>
             <a:r>
               <a:rPr lang="en-US" sz="1500" dirty="0" smtClean="0">
                 <a:latin typeface="Arial" pitchFamily="34" charset="0"/>
                 <a:cs typeface="Arial" pitchFamily="34" charset="0"/>
               </a:rPr>
-              <a:t>Parametric </a:t>
-            </a:r>
-            <a:r>
-              <a:rPr lang="en-US" sz="1500" dirty="0" smtClean="0">
-                <a:latin typeface="Arial" pitchFamily="34" charset="0"/>
-                <a:cs typeface="Arial" pitchFamily="34" charset="0"/>
-              </a:rPr>
-              <a:t>studies to investigate the effect of aggregate strength and aggregate shape on the strength of concrete.</a:t>
-            </a:r>
-          </a:p>
-          <a:p>
-            <a:pPr algn="just"/>
-            <a:r>
-              <a:rPr lang="en-US" sz="1500" dirty="0" smtClean="0">
-                <a:latin typeface="Arial" pitchFamily="34" charset="0"/>
-                <a:cs typeface="Arial" pitchFamily="34" charset="0"/>
-              </a:rPr>
-              <a:t>It should be noted that DEM is less suitable method to carry out the parametric studies compared with the continuum finite element method</a:t>
-            </a:r>
-            <a:r>
-              <a:rPr lang="en-US" sz="1500" dirty="0" smtClean="0">
-                <a:latin typeface="Arial" pitchFamily="34" charset="0"/>
-                <a:cs typeface="Arial" pitchFamily="34" charset="0"/>
-              </a:rPr>
-              <a:t>. </a:t>
-            </a:r>
-            <a:r>
-              <a:rPr lang="en-US" sz="1500" dirty="0" smtClean="0">
-                <a:latin typeface="Arial" pitchFamily="34" charset="0"/>
-                <a:cs typeface="Arial" pitchFamily="34" charset="0"/>
-              </a:rPr>
-              <a:t>Discrete element </a:t>
-            </a:r>
-            <a:r>
-              <a:rPr lang="en-US" sz="1500" dirty="0" smtClean="0">
-                <a:latin typeface="Arial" pitchFamily="34" charset="0"/>
-                <a:cs typeface="Arial" pitchFamily="34" charset="0"/>
-              </a:rPr>
-              <a:t>method.</a:t>
-            </a:r>
-          </a:p>
-          <a:p>
-            <a:pPr algn="just"/>
-            <a:endParaRPr lang="en-US" sz="1500" dirty="0" smtClean="0">
-              <a:latin typeface="Arial" pitchFamily="34" charset="0"/>
-              <a:cs typeface="Arial" pitchFamily="34" charset="0"/>
-            </a:endParaRPr>
-          </a:p>
-          <a:p>
-            <a:endParaRPr lang="en-US" sz="1500" dirty="0">
-              <a:latin typeface="Arial" pitchFamily="34" charset="0"/>
-              <a:cs typeface="Arial" pitchFamily="34" charset="0"/>
-            </a:endParaRPr>
+              <a:t>Discrete element methods require more computational resources compared with the continuum methods.</a:t>
+            </a:r>
+          </a:p>
+          <a:p>
+            <a:endParaRPr lang="en-US" dirty="0"/>
           </a:p>
         </p:txBody>
       </p:sp>
@@ -5114,134 +5020,6 @@
         </p:nvSpPr>
         <p:spPr/>
         <p:txBody>
-          <a:bodyPr>
-            <a:noAutofit/>
-          </a:bodyPr>
-          <a:lstStyle/>
-          <a:p>
-            <a:r>
-              <a:rPr lang="en-US" sz="3600" dirty="0" smtClean="0">
-                <a:latin typeface="Arial" pitchFamily="34" charset="0"/>
-                <a:cs typeface="Arial" pitchFamily="34" charset="0"/>
-              </a:rPr>
-              <a:t>Discrete element method </a:t>
-            </a:r>
-            <a:r>
-              <a:rPr lang="en-US" sz="3600" dirty="0" smtClean="0">
-                <a:latin typeface="Arial" pitchFamily="34" charset="0"/>
-                <a:cs typeface="Arial" pitchFamily="34" charset="0"/>
-              </a:rPr>
-              <a:t>– Pros and cons</a:t>
-            </a:r>
-            <a:endParaRPr lang="en-US" sz="3200" dirty="0"/>
-          </a:p>
-        </p:txBody>
-      </p:sp>
-      <p:sp>
-        <p:nvSpPr>
-          <p:cNvPr id="3" name="Content Placeholder 2"/>
-          <p:cNvSpPr>
-            <a:spLocks noGrp="1"/>
-          </p:cNvSpPr>
-          <p:nvPr>
-            <p:ph idx="1"/>
-          </p:nvPr>
-        </p:nvSpPr>
-        <p:spPr/>
-        <p:txBody>
-          <a:bodyPr/>
-          <a:lstStyle/>
-          <a:p>
-            <a:pPr algn="just">
-              <a:lnSpc>
-                <a:spcPct val="90000"/>
-              </a:lnSpc>
-            </a:pPr>
-            <a:r>
-              <a:rPr lang="en-US" sz="1500" dirty="0" smtClean="0">
-                <a:latin typeface="Arial" pitchFamily="34" charset="0"/>
-                <a:cs typeface="Arial" pitchFamily="34" charset="0"/>
-              </a:rPr>
-              <a:t>DEM uses simple constitutive laws to represent the material behavior compared with the continuum finite element method.</a:t>
-            </a:r>
-          </a:p>
-          <a:p>
-            <a:pPr algn="just">
-              <a:lnSpc>
-                <a:spcPct val="90000"/>
-              </a:lnSpc>
-            </a:pPr>
-            <a:r>
-              <a:rPr lang="en-US" sz="1500" dirty="0" smtClean="0">
-                <a:latin typeface="Arial" pitchFamily="34" charset="0"/>
-                <a:cs typeface="Arial" pitchFamily="34" charset="0"/>
-              </a:rPr>
-              <a:t>the number of parameters for the constitutive law is smaller and computationally more efficient.</a:t>
-            </a:r>
-          </a:p>
-          <a:p>
-            <a:pPr algn="just">
-              <a:lnSpc>
-                <a:spcPct val="90000"/>
-              </a:lnSpc>
-            </a:pPr>
-            <a:r>
-              <a:rPr lang="en-US" sz="1500" dirty="0" smtClean="0">
-                <a:latin typeface="Arial" pitchFamily="34" charset="0"/>
-                <a:cs typeface="Arial" pitchFamily="34" charset="0"/>
-              </a:rPr>
-              <a:t>Discrete element methods require more computational resources compared with the continuum methods.</a:t>
-            </a:r>
-          </a:p>
-          <a:p>
-            <a:endParaRPr lang="en-US" dirty="0"/>
-          </a:p>
-        </p:txBody>
-      </p:sp>
-    </p:spTree>
-  </p:cSld>
-  <p:clrMapOvr>
-    <a:masterClrMapping/>
-  </p:clrMapOvr>
-  <p:timing>
-    <p:tnLst>
-      <p:par>
-        <p:cTn id="1" dur="indefinite" restart="never" nodeType="tmRoot"/>
-      </p:par>
-    </p:tnLst>
-  </p:timing>
-</p:sld>
-</file>
-
-<file path=ppt/slides/slide19.xml><?xml version="1.0" encoding="utf-8"?>
-<p:sld xmlns:a="http://schemas.openxmlformats.org/drawingml/2006/main" xmlns:r="http://schemas.openxmlformats.org/officeDocument/2006/relationships" xmlns:p="http://schemas.openxmlformats.org/presentationml/2006/main">
-  <p:cSld>
-    <p:spTree>
-      <p:nvGrpSpPr>
-        <p:cNvPr id="1" name=""/>
-        <p:cNvGrpSpPr/>
-        <p:nvPr/>
-      </p:nvGrpSpPr>
-      <p:grpSpPr>
-        <a:xfrm>
-          <a:off x="0" y="0"/>
-          <a:ext cx="0" cy="0"/>
-          <a:chOff x="0" y="0"/>
-          <a:chExt cx="0" cy="0"/>
-        </a:xfrm>
-      </p:grpSpPr>
-      <p:sp>
-        <p:nvSpPr>
-          <p:cNvPr id="2" name="Title 1"/>
-          <p:cNvSpPr>
-            <a:spLocks noGrp="1"/>
-          </p:cNvSpPr>
-          <p:nvPr>
-            <p:ph type="title"/>
-          </p:nvPr>
-        </p:nvSpPr>
-        <p:spPr/>
-        <p:txBody>
           <a:bodyPr/>
           <a:lstStyle/>
           <a:p>
@@ -5276,248 +5054,166 @@
                 <a:latin typeface="Arial" pitchFamily="34" charset="0"/>
                 <a:cs typeface="Arial" pitchFamily="34" charset="0"/>
               </a:rPr>
+              <a:t> Digital image-based approach is suitable for analyzing the actual concrete samples and it can be concluded for parametric studies and statistical analysis of results, parameterization approach is best suited.</a:t>
+            </a:r>
+          </a:p>
+          <a:p>
+            <a:pPr algn="just"/>
+            <a:r>
+              <a:rPr lang="en-US" sz="1600" dirty="0" smtClean="0">
+                <a:latin typeface="Arial" pitchFamily="34" charset="0"/>
+                <a:cs typeface="Arial" pitchFamily="34" charset="0"/>
+              </a:rPr>
+              <a:t>Mesoscale models for continuum models can be analyzed in 2D or in 3D. It can be concluded that 3D models give better representation compared with the 2D models. </a:t>
+            </a:r>
+            <a:r>
+              <a:rPr lang="en-US" sz="1600" smtClean="0">
+                <a:latin typeface="Arial" pitchFamily="34" charset="0"/>
+                <a:cs typeface="Arial" pitchFamily="34" charset="0"/>
+              </a:rPr>
+              <a:t>parameterization </a:t>
+            </a:r>
+            <a:r>
+              <a:rPr lang="en-US" sz="1600" dirty="0" smtClean="0">
+                <a:latin typeface="Arial" pitchFamily="34" charset="0"/>
+                <a:cs typeface="Arial" pitchFamily="34" charset="0"/>
+              </a:rPr>
+              <a:t>approach is best suited.</a:t>
+            </a:r>
+          </a:p>
+          <a:p>
+            <a:pPr algn="just"/>
+            <a:r>
+              <a:rPr lang="en-US" sz="1600" dirty="0" smtClean="0">
+                <a:latin typeface="Arial" pitchFamily="34" charset="0"/>
+                <a:cs typeface="Arial" pitchFamily="34" charset="0"/>
+              </a:rPr>
+              <a:t>Aggregate particles can be spherical, ellipsoidal or polyhedral in 3D and polyhedral shape can give realistic results compared with other two shapes. </a:t>
+            </a:r>
+          </a:p>
+          <a:p>
+            <a:pPr algn="just"/>
+            <a:r>
+              <a:rPr lang="en-US" sz="1600" dirty="0" smtClean="0">
+                <a:latin typeface="Arial" pitchFamily="34" charset="0"/>
+                <a:cs typeface="Arial" pitchFamily="34" charset="0"/>
+              </a:rPr>
+              <a:t>Coupled damage and plasticity models are used widely to represent the mortar in continuum methods.</a:t>
+            </a:r>
+          </a:p>
+          <a:p>
+            <a:pPr algn="just"/>
+            <a:r>
+              <a:rPr lang="en-US" sz="1600" dirty="0" smtClean="0">
+                <a:latin typeface="Arial" pitchFamily="34" charset="0"/>
+                <a:cs typeface="Arial" pitchFamily="34" charset="0"/>
+              </a:rPr>
+              <a:t>Aggregates are represented as a linear elastic material. However, aggregates should also have a coupled damage plasticity </a:t>
+            </a:r>
+            <a:r>
+              <a:rPr lang="en-US" sz="1600" dirty="0" err="1" smtClean="0">
+                <a:latin typeface="Arial" pitchFamily="34" charset="0"/>
+                <a:cs typeface="Arial" pitchFamily="34" charset="0"/>
+              </a:rPr>
+              <a:t>behaviour</a:t>
+            </a:r>
+            <a:r>
+              <a:rPr lang="en-US" sz="1600" dirty="0" smtClean="0">
+                <a:latin typeface="Arial" pitchFamily="34" charset="0"/>
+                <a:cs typeface="Arial" pitchFamily="34" charset="0"/>
+              </a:rPr>
+              <a:t> in concrete under dynamic loading or in very high strength concrete since failure goes through aggregate.</a:t>
+            </a:r>
+          </a:p>
+          <a:p>
+            <a:pPr algn="just"/>
+            <a:r>
+              <a:rPr lang="en-US" sz="1600" dirty="0" smtClean="0">
+                <a:latin typeface="Arial" pitchFamily="34" charset="0"/>
+                <a:cs typeface="Arial" pitchFamily="34" charset="0"/>
+              </a:rPr>
+              <a:t>Simple constitutive relations are used in discrete analysis methods compared to the continuum methods and hence the number of parameters which describes the material behavior is smaller.</a:t>
+            </a:r>
+          </a:p>
+          <a:p>
+            <a:pPr algn="just"/>
+            <a:r>
+              <a:rPr lang="en-US" sz="1600" dirty="0" smtClean="0">
+                <a:latin typeface="Arial" pitchFamily="34" charset="0"/>
+                <a:cs typeface="Arial" pitchFamily="34" charset="0"/>
+              </a:rPr>
+              <a:t>Main application of </a:t>
+            </a:r>
+            <a:r>
+              <a:rPr lang="en-US" sz="1600" dirty="0" err="1" smtClean="0">
+                <a:latin typeface="Arial" pitchFamily="34" charset="0"/>
+                <a:cs typeface="Arial" pitchFamily="34" charset="0"/>
+              </a:rPr>
+              <a:t>mesoscale</a:t>
+            </a:r>
+            <a:r>
+              <a:rPr lang="en-US" sz="1600" dirty="0" smtClean="0">
+                <a:latin typeface="Arial" pitchFamily="34" charset="0"/>
+                <a:cs typeface="Arial" pitchFamily="34" charset="0"/>
+              </a:rPr>
               <a:t> </a:t>
             </a:r>
             <a:r>
+              <a:rPr lang="en-US" sz="1600" dirty="0" err="1" smtClean="0">
+                <a:latin typeface="Arial" pitchFamily="34" charset="0"/>
+                <a:cs typeface="Arial" pitchFamily="34" charset="0"/>
+              </a:rPr>
+              <a:t>modelling</a:t>
+            </a:r>
+            <a:r>
               <a:rPr lang="en-US" sz="1600" dirty="0" smtClean="0">
                 <a:latin typeface="Arial" pitchFamily="34" charset="0"/>
                 <a:cs typeface="Arial" pitchFamily="34" charset="0"/>
               </a:rPr>
-              <a:t>Digital image-based approach is suitable for analyzing the actual concrete samples and it can be concluded for parametric studies and statistical analysis of results, </a:t>
+              <a:t> is fracture mechanics of concrete and it can be concluded </a:t>
             </a:r>
             <a:r>
               <a:rPr lang="en-US" sz="1600" dirty="0" err="1" smtClean="0">
                 <a:latin typeface="Arial" pitchFamily="34" charset="0"/>
                 <a:cs typeface="Arial" pitchFamily="34" charset="0"/>
               </a:rPr>
-              <a:t>param</a:t>
-            </a:r>
-            <a:endParaRPr lang="en-US" sz="1600" dirty="0" smtClean="0">
-              <a:latin typeface="Arial" pitchFamily="34" charset="0"/>
-              <a:cs typeface="Arial" pitchFamily="34" charset="0"/>
-            </a:endParaRPr>
-          </a:p>
-          <a:p>
-            <a:pPr algn="just"/>
+              <a:t>mesoscale</a:t>
+            </a:r>
             <a:r>
               <a:rPr lang="en-US" sz="1600" dirty="0" smtClean="0">
                 <a:latin typeface="Arial" pitchFamily="34" charset="0"/>
                 <a:cs typeface="Arial" pitchFamily="34" charset="0"/>
               </a:rPr>
-              <a:t>Mesoscale models for continuum models can be analyzed in 2D or in 3D. </a:t>
+              <a:t> </a:t>
+            </a:r>
+            <a:r>
+              <a:rPr lang="en-US" sz="1600" dirty="0" err="1" smtClean="0">
+                <a:latin typeface="Arial" pitchFamily="34" charset="0"/>
+                <a:cs typeface="Arial" pitchFamily="34" charset="0"/>
+              </a:rPr>
+              <a:t>modelling</a:t>
             </a:r>
             <a:r>
               <a:rPr lang="en-US" sz="1600" dirty="0" smtClean="0">
                 <a:latin typeface="Arial" pitchFamily="34" charset="0"/>
                 <a:cs typeface="Arial" pitchFamily="34" charset="0"/>
               </a:rPr>
-              <a:t>It can be concluded that 3D models give better </a:t>
+              <a:t> can be successfully used for many other applications such as parametric analysis of concrete, </a:t>
             </a:r>
             <a:r>
               <a:rPr lang="en-US" sz="1600" dirty="0" err="1" smtClean="0">
                 <a:latin typeface="Arial" pitchFamily="34" charset="0"/>
                 <a:cs typeface="Arial" pitchFamily="34" charset="0"/>
               </a:rPr>
-              <a:t>representation</a:t>
+              <a:t>behaviour</a:t>
             </a:r>
             <a:r>
               <a:rPr lang="en-US" sz="1600" dirty="0" smtClean="0">
                 <a:latin typeface="Arial" pitchFamily="34" charset="0"/>
                 <a:cs typeface="Arial" pitchFamily="34" charset="0"/>
               </a:rPr>
-              <a:t> compared with the 2D models. </a:t>
-            </a:r>
-            <a:r>
-              <a:rPr lang="en-US" sz="1600" dirty="0" err="1" smtClean="0">
-                <a:latin typeface="Arial" pitchFamily="34" charset="0"/>
-                <a:cs typeface="Arial" pitchFamily="34" charset="0"/>
-              </a:rPr>
-              <a:t>eterization</a:t>
-            </a:r>
-            <a:r>
-              <a:rPr lang="en-US" sz="1600" dirty="0" smtClean="0">
-                <a:latin typeface="Arial" pitchFamily="34" charset="0"/>
-                <a:cs typeface="Arial" pitchFamily="34" charset="0"/>
-              </a:rPr>
-              <a:t> approach is best suited</a:t>
-            </a:r>
-            <a:r>
-              <a:rPr lang="en-US" sz="1600" dirty="0" smtClean="0">
-                <a:latin typeface="Arial" pitchFamily="34" charset="0"/>
-                <a:cs typeface="Arial" pitchFamily="34" charset="0"/>
-              </a:rPr>
-              <a:t>.</a:t>
-            </a:r>
-          </a:p>
-          <a:p>
-            <a:pPr algn="just"/>
-            <a:r>
-              <a:rPr lang="en-US" sz="1600" dirty="0" smtClean="0">
-                <a:latin typeface="Arial" pitchFamily="34" charset="0"/>
-                <a:cs typeface="Arial" pitchFamily="34" charset="0"/>
-              </a:rPr>
-              <a:t>Aggregate particles can be spherical, ellipsoidal or polyhedral in 3D and polyhedral shape can give realistic results compared with other two shapes. </a:t>
-            </a:r>
-            <a:endParaRPr lang="en-US" sz="1600" dirty="0" smtClean="0">
-              <a:latin typeface="Arial" pitchFamily="34" charset="0"/>
-              <a:cs typeface="Arial" pitchFamily="34" charset="0"/>
-            </a:endParaRPr>
-          </a:p>
-          <a:p>
-            <a:pPr algn="just"/>
-            <a:r>
-              <a:rPr lang="en-US" sz="1600" dirty="0" smtClean="0">
-                <a:latin typeface="Arial" pitchFamily="34" charset="0"/>
-                <a:cs typeface="Arial" pitchFamily="34" charset="0"/>
-              </a:rPr>
-              <a:t>Coupled damage and plasticity models are used widely to represent the mortar in continuum methods</a:t>
-            </a:r>
-            <a:r>
-              <a:rPr lang="en-US" sz="1600" dirty="0" smtClean="0">
-                <a:latin typeface="Arial" pitchFamily="34" charset="0"/>
-                <a:cs typeface="Arial" pitchFamily="34" charset="0"/>
-              </a:rPr>
-              <a:t>.</a:t>
-            </a:r>
-          </a:p>
-          <a:p>
-            <a:pPr algn="just"/>
-            <a:r>
-              <a:rPr lang="en-US" sz="1600" dirty="0" smtClean="0">
-                <a:latin typeface="Arial" pitchFamily="34" charset="0"/>
-                <a:cs typeface="Arial" pitchFamily="34" charset="0"/>
-              </a:rPr>
-              <a:t>Aggregates are represented as a linear elastic material. However, aggregates should also have a coupled damage plasticity </a:t>
-            </a:r>
-            <a:r>
-              <a:rPr lang="en-US" sz="1600" dirty="0" err="1" smtClean="0">
-                <a:latin typeface="Arial" pitchFamily="34" charset="0"/>
-                <a:cs typeface="Arial" pitchFamily="34" charset="0"/>
-              </a:rPr>
-              <a:t>behaviour</a:t>
-            </a:r>
-            <a:r>
-              <a:rPr lang="en-US" sz="1600" dirty="0" smtClean="0">
-                <a:latin typeface="Arial" pitchFamily="34" charset="0"/>
-                <a:cs typeface="Arial" pitchFamily="34" charset="0"/>
-              </a:rPr>
-              <a:t> in concrete under dynamic loading or in very high strength concrete since failure goes through aggregate</a:t>
-            </a:r>
-            <a:r>
-              <a:rPr lang="en-US" sz="1600" dirty="0" smtClean="0">
-                <a:latin typeface="Arial" pitchFamily="34" charset="0"/>
-                <a:cs typeface="Arial" pitchFamily="34" charset="0"/>
-              </a:rPr>
-              <a:t>.</a:t>
-            </a:r>
-          </a:p>
-          <a:p>
-            <a:pPr algn="just"/>
-            <a:r>
-              <a:rPr lang="en-US" sz="1600" dirty="0" smtClean="0">
-                <a:latin typeface="Arial" pitchFamily="34" charset="0"/>
-                <a:cs typeface="Arial" pitchFamily="34" charset="0"/>
-              </a:rPr>
-              <a:t>Simple constitutive relations are used in discrete analysis methods compared to the continuum methods and hence the number of parameters which describes the material behavior is smaller</a:t>
-            </a:r>
-            <a:r>
-              <a:rPr lang="en-US" sz="1600" dirty="0" smtClean="0">
-                <a:latin typeface="Arial" pitchFamily="34" charset="0"/>
-                <a:cs typeface="Arial" pitchFamily="34" charset="0"/>
-              </a:rPr>
-              <a:t>.</a:t>
-            </a:r>
-          </a:p>
-          <a:p>
-            <a:pPr algn="just"/>
-            <a:r>
-              <a:rPr lang="en-US" sz="1600" dirty="0" smtClean="0">
-                <a:latin typeface="Arial" pitchFamily="34" charset="0"/>
-                <a:cs typeface="Arial" pitchFamily="34" charset="0"/>
-              </a:rPr>
-              <a:t>Main application of </a:t>
-            </a:r>
-            <a:r>
-              <a:rPr lang="en-US" sz="1600" dirty="0" err="1" smtClean="0">
-                <a:latin typeface="Arial" pitchFamily="34" charset="0"/>
-                <a:cs typeface="Arial" pitchFamily="34" charset="0"/>
-              </a:rPr>
-              <a:t>mesoscale</a:t>
-            </a:r>
-            <a:r>
-              <a:rPr lang="en-US" sz="1600" dirty="0" smtClean="0">
-                <a:latin typeface="Arial" pitchFamily="34" charset="0"/>
-                <a:cs typeface="Arial" pitchFamily="34" charset="0"/>
-              </a:rPr>
-              <a:t> </a:t>
-            </a:r>
-            <a:r>
-              <a:rPr lang="en-US" sz="1600" dirty="0" err="1" smtClean="0">
-                <a:latin typeface="Arial" pitchFamily="34" charset="0"/>
-                <a:cs typeface="Arial" pitchFamily="34" charset="0"/>
-              </a:rPr>
-              <a:t>modelling</a:t>
-            </a:r>
-            <a:r>
-              <a:rPr lang="en-US" sz="1600" dirty="0" smtClean="0">
-                <a:latin typeface="Arial" pitchFamily="34" charset="0"/>
-                <a:cs typeface="Arial" pitchFamily="34" charset="0"/>
-              </a:rPr>
-              <a:t> is fracture mechanics of concrete and it can be concluded </a:t>
-            </a:r>
-            <a:r>
-              <a:rPr lang="en-US" sz="1600" dirty="0" err="1" smtClean="0">
-                <a:latin typeface="Arial" pitchFamily="34" charset="0"/>
-                <a:cs typeface="Arial" pitchFamily="34" charset="0"/>
-              </a:rPr>
-              <a:t>mesoscale</a:t>
-            </a:r>
-            <a:r>
-              <a:rPr lang="en-US" sz="1600" dirty="0" smtClean="0">
-                <a:latin typeface="Arial" pitchFamily="34" charset="0"/>
-                <a:cs typeface="Arial" pitchFamily="34" charset="0"/>
-              </a:rPr>
-              <a:t> </a:t>
-            </a:r>
-            <a:r>
-              <a:rPr lang="en-US" sz="1600" dirty="0" err="1" smtClean="0">
-                <a:latin typeface="Arial" pitchFamily="34" charset="0"/>
-                <a:cs typeface="Arial" pitchFamily="34" charset="0"/>
-              </a:rPr>
-              <a:t>modelling</a:t>
-            </a:r>
-            <a:r>
-              <a:rPr lang="en-US" sz="1600" dirty="0" smtClean="0">
-                <a:latin typeface="Arial" pitchFamily="34" charset="0"/>
-                <a:cs typeface="Arial" pitchFamily="34" charset="0"/>
-              </a:rPr>
-              <a:t> can be successfully used for many other applications such as parametric analysis of concrete, </a:t>
-            </a:r>
-            <a:r>
-              <a:rPr lang="en-US" sz="1600" dirty="0" err="1" smtClean="0">
-                <a:latin typeface="Arial" pitchFamily="34" charset="0"/>
-                <a:cs typeface="Arial" pitchFamily="34" charset="0"/>
-              </a:rPr>
-              <a:t>behaviour</a:t>
-            </a:r>
-            <a:r>
-              <a:rPr lang="en-US" sz="1600" dirty="0" smtClean="0">
-                <a:latin typeface="Arial" pitchFamily="34" charset="0"/>
-                <a:cs typeface="Arial" pitchFamily="34" charset="0"/>
-              </a:rPr>
-              <a:t> of concrete under various loading </a:t>
-            </a:r>
-            <a:r>
-              <a:rPr lang="en-US" sz="1600" dirty="0" smtClean="0">
-                <a:latin typeface="Arial" pitchFamily="34" charset="0"/>
-                <a:cs typeface="Arial" pitchFamily="34" charset="0"/>
-              </a:rPr>
-              <a:t>conditions.</a:t>
-            </a:r>
-            <a:endParaRPr lang="en-US" sz="1600" dirty="0" smtClean="0">
-              <a:latin typeface="Arial" pitchFamily="34" charset="0"/>
-              <a:cs typeface="Arial" pitchFamily="34" charset="0"/>
-            </a:endParaRPr>
+              <a:t> of concrete under various loading conditions.</a:t>
+            </a:r>
           </a:p>
         </p:txBody>
       </p:sp>
@@ -6156,10 +5852,6 @@
               </a:rPr>
               <a:t> using distinct elements such as spheres, lattice beams, trusses etc.</a:t>
             </a:r>
-            <a:endParaRPr lang="en-US" sz="1400" dirty="0" smtClean="0">
-              <a:latin typeface="Arial" pitchFamily="34" charset="0"/>
-              <a:cs typeface="Arial" pitchFamily="34" charset="0"/>
-            </a:endParaRPr>
           </a:p>
         </p:txBody>
       </p:sp>
@@ -7709,8 +7401,24 @@
                 <a:latin typeface="Arial" pitchFamily="34" charset="0"/>
                 <a:cs typeface="Arial" pitchFamily="34" charset="0"/>
               </a:rPr>
-              <a:t> model with suitable material models and properties assigned to the consisting phases.</a:t>
-            </a:r>
+              <a:t> model with suitable material models and properties assigned to the consisting phases</a:t>
+            </a:r>
+            <a:r>
+              <a:rPr lang="en-US" sz="1600" dirty="0" smtClean="0">
+                <a:latin typeface="Arial" pitchFamily="34" charset="0"/>
+                <a:cs typeface="Arial" pitchFamily="34" charset="0"/>
+              </a:rPr>
+              <a:t>.</a:t>
+            </a:r>
+          </a:p>
+          <a:p>
+            <a:pPr algn="just">
+              <a:buNone/>
+            </a:pPr>
+            <a:endParaRPr lang="en-US" sz="1600" dirty="0" smtClean="0">
+              <a:latin typeface="Arial" pitchFamily="34" charset="0"/>
+              <a:cs typeface="Arial" pitchFamily="34" charset="0"/>
+            </a:endParaRPr>
           </a:p>
           <a:p>
             <a:pPr algn="just"/>
@@ -7730,6 +7438,15 @@
             </a:r>
           </a:p>
           <a:p>
+            <a:pPr algn="just">
+              <a:buNone/>
+            </a:pPr>
+            <a:endParaRPr lang="en-US" sz="1600" dirty="0" smtClean="0">
+              <a:latin typeface="Arial" pitchFamily="34" charset="0"/>
+              <a:cs typeface="Arial" pitchFamily="34" charset="0"/>
+            </a:endParaRPr>
+          </a:p>
+          <a:p>
             <a:pPr algn="just"/>
             <a:r>
               <a:rPr lang="en-US" sz="1600" dirty="0">
@@ -7772,96 +7489,6 @@
                 <a:cs typeface="Arial" pitchFamily="34" charset="0"/>
               </a:rPr>
               <a:t>experiments.</a:t>
-            </a:r>
-          </a:p>
-          <a:p>
-            <a:pPr algn="just"/>
-            <a:r>
-              <a:rPr lang="en-US" sz="1600" dirty="0">
-                <a:latin typeface="Arial" pitchFamily="34" charset="0"/>
-                <a:cs typeface="Arial" pitchFamily="34" charset="0"/>
-              </a:rPr>
-              <a:t>For the three phases in the </a:t>
-            </a:r>
-            <a:r>
-              <a:rPr lang="en-US" sz="1600" dirty="0" err="1">
-                <a:latin typeface="Arial" pitchFamily="34" charset="0"/>
-                <a:cs typeface="Arial" pitchFamily="34" charset="0"/>
-              </a:rPr>
-              <a:t>mesoscale</a:t>
-            </a:r>
-            <a:r>
-              <a:rPr lang="en-US" sz="1600" dirty="0">
-                <a:latin typeface="Arial" pitchFamily="34" charset="0"/>
-                <a:cs typeface="Arial" pitchFamily="34" charset="0"/>
-              </a:rPr>
-              <a:t> concrete, uniform constant material parameters such as elastic modulus, compressive strength are assigned in most of the </a:t>
-            </a:r>
-            <a:r>
-              <a:rPr lang="en-US" sz="1600" dirty="0" err="1">
-                <a:latin typeface="Arial" pitchFamily="34" charset="0"/>
-                <a:cs typeface="Arial" pitchFamily="34" charset="0"/>
-              </a:rPr>
-              <a:t>mesoscale</a:t>
-            </a:r>
-            <a:r>
-              <a:rPr lang="en-US" sz="1600" dirty="0">
-                <a:latin typeface="Arial" pitchFamily="34" charset="0"/>
-                <a:cs typeface="Arial" pitchFamily="34" charset="0"/>
-              </a:rPr>
-              <a:t> models</a:t>
-            </a:r>
-            <a:r>
-              <a:rPr lang="en-US" sz="1600" dirty="0" smtClean="0">
-                <a:latin typeface="Arial" pitchFamily="34" charset="0"/>
-                <a:cs typeface="Arial" pitchFamily="34" charset="0"/>
-              </a:rPr>
-              <a:t>.</a:t>
-            </a:r>
-          </a:p>
-          <a:p>
-            <a:pPr algn="just"/>
-            <a:r>
-              <a:rPr lang="en-US" sz="1600" dirty="0">
-                <a:latin typeface="Arial" pitchFamily="34" charset="0"/>
-                <a:cs typeface="Arial" pitchFamily="34" charset="0"/>
-              </a:rPr>
-              <a:t>To capture the heterogeneity in the </a:t>
-            </a:r>
-            <a:r>
-              <a:rPr lang="en-US" sz="1600" dirty="0" err="1">
-                <a:latin typeface="Arial" pitchFamily="34" charset="0"/>
-                <a:cs typeface="Arial" pitchFamily="34" charset="0"/>
-              </a:rPr>
-              <a:t>meso</a:t>
-            </a:r>
-            <a:r>
-              <a:rPr lang="en-US" sz="1600" dirty="0">
-                <a:latin typeface="Arial" pitchFamily="34" charset="0"/>
-                <a:cs typeface="Arial" pitchFamily="34" charset="0"/>
-              </a:rPr>
-              <a:t> level, probability distribution to vary the material properties of compressive strength, elastic modulus and Poisson’s ratio in the </a:t>
-            </a:r>
-            <a:r>
-              <a:rPr lang="en-US" sz="1600" dirty="0" err="1">
-                <a:latin typeface="Arial" pitchFamily="34" charset="0"/>
-                <a:cs typeface="Arial" pitchFamily="34" charset="0"/>
-              </a:rPr>
-              <a:t>mesoscale</a:t>
-            </a:r>
-            <a:r>
-              <a:rPr lang="en-US" sz="1600" dirty="0">
-                <a:latin typeface="Arial" pitchFamily="34" charset="0"/>
-                <a:cs typeface="Arial" pitchFamily="34" charset="0"/>
-              </a:rPr>
-              <a:t> model</a:t>
-            </a:r>
-            <a:r>
-              <a:rPr lang="en-US" sz="1600" dirty="0" smtClean="0">
-                <a:latin typeface="Arial" pitchFamily="34" charset="0"/>
-                <a:cs typeface="Arial" pitchFamily="34" charset="0"/>
-              </a:rPr>
-              <a:t>.</a:t>
             </a:r>
           </a:p>
           <a:p>
